--- a/ConsoleApp01/ResumeTemplate/ResumeTemplate.pptx
+++ b/ConsoleApp01/ResumeTemplate/ResumeTemplate.pptx
@@ -104,6 +104,11 @@
       </a:defRPr>
     </a:lvl9pPr>
   </p:defaultTextStyle>
+  <p:extLst>
+    <p:ext uri="{EFAFB233-063F-42B5-8137-9DF3F51BA10A}">
+      <p15:sldGuideLst xmlns:p15="http://schemas.microsoft.com/office/powerpoint/2012/main"/>
+    </p:ext>
+  </p:extLst>
 </p:presentation>
 </file>
 
@@ -1786,7 +1791,7 @@
           <a:p>
             <a:fld id="{F93D1CA1-9539-4AC8-82CD-E94DEEADCDDC}" type="datetimeFigureOut">
               <a:rPr lang="en-GB" smtClean="0"/>
-              <a:t>03-Jun-2021</a:t>
+              <a:t>08/02/2022</a:t>
             </a:fld>
             <a:endParaRPr lang="en-GB"/>
           </a:p>
@@ -1956,7 +1961,7 @@
           <a:p>
             <a:fld id="{F93D1CA1-9539-4AC8-82CD-E94DEEADCDDC}" type="datetimeFigureOut">
               <a:rPr lang="en-GB" smtClean="0"/>
-              <a:t>03-Jun-2021</a:t>
+              <a:t>08/02/2022</a:t>
             </a:fld>
             <a:endParaRPr lang="en-GB"/>
           </a:p>
@@ -2136,7 +2141,7 @@
           <a:p>
             <a:fld id="{F93D1CA1-9539-4AC8-82CD-E94DEEADCDDC}" type="datetimeFigureOut">
               <a:rPr lang="en-GB" smtClean="0"/>
-              <a:t>03-Jun-2021</a:t>
+              <a:t>08/02/2022</a:t>
             </a:fld>
             <a:endParaRPr lang="en-GB"/>
           </a:p>
@@ -2306,7 +2311,7 @@
           <a:p>
             <a:fld id="{F93D1CA1-9539-4AC8-82CD-E94DEEADCDDC}" type="datetimeFigureOut">
               <a:rPr lang="en-GB" smtClean="0"/>
-              <a:t>03-Jun-2021</a:t>
+              <a:t>08/02/2022</a:t>
             </a:fld>
             <a:endParaRPr lang="en-GB"/>
           </a:p>
@@ -2550,7 +2555,7 @@
           <a:p>
             <a:fld id="{F93D1CA1-9539-4AC8-82CD-E94DEEADCDDC}" type="datetimeFigureOut">
               <a:rPr lang="en-GB" smtClean="0"/>
-              <a:t>03-Jun-2021</a:t>
+              <a:t>08/02/2022</a:t>
             </a:fld>
             <a:endParaRPr lang="en-GB"/>
           </a:p>
@@ -2782,7 +2787,7 @@
           <a:p>
             <a:fld id="{F93D1CA1-9539-4AC8-82CD-E94DEEADCDDC}" type="datetimeFigureOut">
               <a:rPr lang="en-GB" smtClean="0"/>
-              <a:t>03-Jun-2021</a:t>
+              <a:t>08/02/2022</a:t>
             </a:fld>
             <a:endParaRPr lang="en-GB"/>
           </a:p>
@@ -3149,7 +3154,7 @@
           <a:p>
             <a:fld id="{F93D1CA1-9539-4AC8-82CD-E94DEEADCDDC}" type="datetimeFigureOut">
               <a:rPr lang="en-GB" smtClean="0"/>
-              <a:t>03-Jun-2021</a:t>
+              <a:t>08/02/2022</a:t>
             </a:fld>
             <a:endParaRPr lang="en-GB"/>
           </a:p>
@@ -3267,7 +3272,7 @@
           <a:p>
             <a:fld id="{F93D1CA1-9539-4AC8-82CD-E94DEEADCDDC}" type="datetimeFigureOut">
               <a:rPr lang="en-GB" smtClean="0"/>
-              <a:t>03-Jun-2021</a:t>
+              <a:t>08/02/2022</a:t>
             </a:fld>
             <a:endParaRPr lang="en-GB"/>
           </a:p>
@@ -3362,7 +3367,7 @@
           <a:p>
             <a:fld id="{F93D1CA1-9539-4AC8-82CD-E94DEEADCDDC}" type="datetimeFigureOut">
               <a:rPr lang="en-GB" smtClean="0"/>
-              <a:t>03-Jun-2021</a:t>
+              <a:t>08/02/2022</a:t>
             </a:fld>
             <a:endParaRPr lang="en-GB"/>
           </a:p>
@@ -3639,7 +3644,7 @@
           <a:p>
             <a:fld id="{F93D1CA1-9539-4AC8-82CD-E94DEEADCDDC}" type="datetimeFigureOut">
               <a:rPr lang="en-GB" smtClean="0"/>
-              <a:t>03-Jun-2021</a:t>
+              <a:t>08/02/2022</a:t>
             </a:fld>
             <a:endParaRPr lang="en-GB"/>
           </a:p>
@@ -3896,7 +3901,7 @@
           <a:p>
             <a:fld id="{F93D1CA1-9539-4AC8-82CD-E94DEEADCDDC}" type="datetimeFigureOut">
               <a:rPr lang="en-GB" smtClean="0"/>
-              <a:t>03-Jun-2021</a:t>
+              <a:t>08/02/2022</a:t>
             </a:fld>
             <a:endParaRPr lang="en-GB"/>
           </a:p>
@@ -4109,7 +4114,7 @@
           <a:p>
             <a:fld id="{F93D1CA1-9539-4AC8-82CD-E94DEEADCDDC}" type="datetimeFigureOut">
               <a:rPr lang="en-GB" smtClean="0"/>
-              <a:t>03-Jun-2021</a:t>
+              <a:t>08/02/2022</a:t>
             </a:fld>
             <a:endParaRPr lang="en-GB"/>
           </a:p>
@@ -4528,7 +4533,7 @@
         </p:nvSpPr>
         <p:spPr>
           <a:xfrm>
-            <a:off x="105571" y="395930"/>
+            <a:off x="105571" y="222073"/>
             <a:ext cx="4039340" cy="646331"/>
           </a:xfrm>
           <a:prstGeom prst="rect">
@@ -4572,7 +4577,7 @@
         </p:nvSpPr>
         <p:spPr>
           <a:xfrm>
-            <a:off x="115078" y="926102"/>
+            <a:off x="115078" y="752245"/>
             <a:ext cx="4039340" cy="338554"/>
           </a:xfrm>
           <a:prstGeom prst="rect">
@@ -4614,7 +4619,7 @@
         </p:nvSpPr>
         <p:spPr>
           <a:xfrm>
-            <a:off x="304276" y="1263208"/>
+            <a:off x="304276" y="1089351"/>
             <a:ext cx="5085610" cy="276999"/>
           </a:xfrm>
           <a:prstGeom prst="rect">
@@ -4658,7 +4663,7 @@
         </p:nvSpPr>
         <p:spPr>
           <a:xfrm>
-            <a:off x="115078" y="1643960"/>
+            <a:off x="115078" y="1470103"/>
             <a:ext cx="4039340" cy="338554"/>
           </a:xfrm>
           <a:prstGeom prst="rect">
@@ -4700,7 +4705,7 @@
         </p:nvSpPr>
         <p:spPr>
           <a:xfrm>
-            <a:off x="3754898" y="1643958"/>
+            <a:off x="3754898" y="1470101"/>
             <a:ext cx="4039340" cy="338554"/>
           </a:xfrm>
           <a:prstGeom prst="rect">
@@ -4744,7 +4749,7 @@
         </p:nvCxnSpPr>
         <p:spPr>
           <a:xfrm>
-            <a:off x="3843026" y="1982512"/>
+            <a:off x="3843026" y="1808655"/>
             <a:ext cx="3093720" cy="0"/>
           </a:xfrm>
           <a:prstGeom prst="line">
@@ -4785,7 +4790,7 @@
         </p:nvSpPr>
         <p:spPr>
           <a:xfrm>
-            <a:off x="515502" y="2035865"/>
+            <a:off x="515502" y="1862008"/>
             <a:ext cx="3047037" cy="5670783"/>
           </a:xfrm>
           <a:prstGeom prst="rect">
@@ -5255,7 +5260,7 @@
         </p:nvSpPr>
         <p:spPr>
           <a:xfrm>
-            <a:off x="3843026" y="2186338"/>
+            <a:off x="3843026" y="2012481"/>
             <a:ext cx="3176503" cy="461665"/>
           </a:xfrm>
           <a:prstGeom prst="rect">
@@ -5309,7 +5314,7 @@
         </p:nvSpPr>
         <p:spPr>
           <a:xfrm>
-            <a:off x="3754898" y="2702156"/>
+            <a:off x="3754898" y="2528299"/>
             <a:ext cx="4039340" cy="338554"/>
           </a:xfrm>
           <a:prstGeom prst="rect">
@@ -5353,7 +5358,7 @@
         </p:nvCxnSpPr>
         <p:spPr>
           <a:xfrm>
-            <a:off x="3843026" y="3020414"/>
+            <a:off x="3843026" y="2846557"/>
             <a:ext cx="3093720" cy="0"/>
           </a:xfrm>
           <a:prstGeom prst="line">
@@ -5394,7 +5399,7 @@
         </p:nvSpPr>
         <p:spPr>
           <a:xfrm>
-            <a:off x="4289669" y="3111946"/>
+            <a:off x="4289669" y="2938089"/>
             <a:ext cx="2786242" cy="2646878"/>
           </a:xfrm>
           <a:prstGeom prst="rect">
@@ -5573,7 +5578,7 @@
         </p:nvSpPr>
         <p:spPr>
           <a:xfrm>
-            <a:off x="3727984" y="5599777"/>
+            <a:off x="3727984" y="5425920"/>
             <a:ext cx="4039340" cy="338554"/>
           </a:xfrm>
           <a:prstGeom prst="rect">
@@ -5617,7 +5622,7 @@
         </p:nvCxnSpPr>
         <p:spPr>
           <a:xfrm>
-            <a:off x="3816112" y="5925632"/>
+            <a:off x="3816112" y="5751775"/>
             <a:ext cx="3093720" cy="0"/>
           </a:xfrm>
           <a:prstGeom prst="line">
@@ -5658,7 +5663,7 @@
         </p:nvSpPr>
         <p:spPr>
           <a:xfrm>
-            <a:off x="3898342" y="6018815"/>
+            <a:off x="3898342" y="5844958"/>
             <a:ext cx="3176503" cy="261610"/>
           </a:xfrm>
           <a:prstGeom prst="rect">
@@ -5725,7 +5730,7 @@
         </p:nvSpPr>
         <p:spPr>
           <a:xfrm>
-            <a:off x="3918531" y="6640855"/>
+            <a:off x="3918531" y="6466998"/>
             <a:ext cx="2441596" cy="261610"/>
           </a:xfrm>
           <a:prstGeom prst="rect">
@@ -5769,7 +5774,7 @@
         </p:nvSpPr>
         <p:spPr>
           <a:xfrm>
-            <a:off x="3974323" y="6282320"/>
+            <a:off x="3974323" y="6108463"/>
             <a:ext cx="962794" cy="253522"/>
           </a:xfrm>
           <a:prstGeom prst="roundRect">
@@ -5835,7 +5840,7 @@
         </p:nvSpPr>
         <p:spPr>
           <a:xfrm>
-            <a:off x="4977036" y="6282320"/>
+            <a:off x="4977036" y="6108463"/>
             <a:ext cx="1021439" cy="253522"/>
           </a:xfrm>
           <a:prstGeom prst="roundRect">
@@ -5906,7 +5911,7 @@
         </p:nvSpPr>
         <p:spPr>
           <a:xfrm>
-            <a:off x="3988805" y="6873438"/>
+            <a:off x="3988805" y="6699581"/>
             <a:ext cx="1213882" cy="253522"/>
           </a:xfrm>
           <a:prstGeom prst="roundRect">
@@ -5977,7 +5982,7 @@
         </p:nvSpPr>
         <p:spPr>
           <a:xfrm>
-            <a:off x="5272961" y="6873438"/>
+            <a:off x="5272961" y="6699581"/>
             <a:ext cx="1157440" cy="253522"/>
           </a:xfrm>
           <a:prstGeom prst="roundRect">
@@ -6043,7 +6048,7 @@
         </p:nvSpPr>
         <p:spPr>
           <a:xfrm>
-            <a:off x="3730847" y="7405982"/>
+            <a:off x="3730847" y="7232125"/>
             <a:ext cx="3423148" cy="338554"/>
           </a:xfrm>
           <a:prstGeom prst="rect">
@@ -6087,7 +6092,7 @@
         </p:nvCxnSpPr>
         <p:spPr>
           <a:xfrm>
-            <a:off x="3818975" y="7720833"/>
+            <a:off x="3818975" y="7546976"/>
             <a:ext cx="3335020" cy="0"/>
           </a:xfrm>
           <a:prstGeom prst="line">
@@ -6128,7 +6133,7 @@
         </p:nvSpPr>
         <p:spPr>
           <a:xfrm>
-            <a:off x="4563081" y="7804534"/>
+            <a:off x="4563081" y="7630677"/>
             <a:ext cx="2546235" cy="800219"/>
           </a:xfrm>
           <a:prstGeom prst="rect">
@@ -6225,7 +6230,7 @@
         </p:nvSpPr>
         <p:spPr>
           <a:xfrm>
-            <a:off x="115078" y="7382279"/>
+            <a:off x="115078" y="7208422"/>
             <a:ext cx="4039340" cy="338554"/>
           </a:xfrm>
           <a:prstGeom prst="rect">
@@ -6266,13 +6271,13 @@
           <p:nvPr>
             <p:extLst>
               <p:ext uri="{D42A27DB-BD31-4B8C-83A1-F6EECF244321}">
-                <p14:modId xmlns:p14="http://schemas.microsoft.com/office/powerpoint/2010/main" val="1889456661"/>
+                <p14:modId xmlns:p14="http://schemas.microsoft.com/office/powerpoint/2010/main" val="2271123558"/>
               </p:ext>
             </p:extLst>
           </p:nvPr>
         </p:nvGraphicFramePr>
         <p:xfrm>
-          <a:off x="231604" y="7787779"/>
+          <a:off x="231604" y="7613922"/>
           <a:ext cx="3093720" cy="2062480"/>
         </p:xfrm>
         <a:graphic>
@@ -6297,7 +6302,7 @@
         </p:nvCxnSpPr>
         <p:spPr>
           <a:xfrm>
-            <a:off x="3855472" y="3899810"/>
+            <a:off x="3855472" y="3725953"/>
             <a:ext cx="3093720" cy="0"/>
           </a:xfrm>
           <a:prstGeom prst="line">
@@ -6343,7 +6348,7 @@
         </p:nvCxnSpPr>
         <p:spPr>
           <a:xfrm>
-            <a:off x="3875471" y="4782230"/>
+            <a:off x="3875471" y="4608373"/>
             <a:ext cx="3093720" cy="0"/>
           </a:xfrm>
           <a:prstGeom prst="line">
@@ -6389,7 +6394,7 @@
         </p:nvCxnSpPr>
         <p:spPr>
           <a:xfrm>
-            <a:off x="3808949" y="6641923"/>
+            <a:off x="3808949" y="6468066"/>
             <a:ext cx="3093720" cy="0"/>
           </a:xfrm>
           <a:prstGeom prst="line">
@@ -6433,7 +6438,7 @@
         </p:nvGrpSpPr>
         <p:grpSpPr>
           <a:xfrm>
-            <a:off x="3841928" y="4133168"/>
+            <a:off x="3841928" y="3959311"/>
             <a:ext cx="437070" cy="436956"/>
             <a:chOff x="10679769" y="-4165501"/>
             <a:chExt cx="1829276" cy="1828800"/>
@@ -6539,7 +6544,7 @@
         </p:nvGrpSpPr>
         <p:grpSpPr>
           <a:xfrm>
-            <a:off x="3871008" y="4971389"/>
+            <a:off x="3871008" y="4797532"/>
             <a:ext cx="385466" cy="385466"/>
             <a:chOff x="6894205" y="-4112768"/>
             <a:chExt cx="1613297" cy="1613297"/>
@@ -6646,7 +6651,7 @@
         </p:nvGrpSpPr>
         <p:grpSpPr>
           <a:xfrm>
-            <a:off x="3854656" y="3231863"/>
+            <a:off x="3854656" y="3058006"/>
             <a:ext cx="437070" cy="436956"/>
             <a:chOff x="11348634" y="-1621842"/>
             <a:chExt cx="1829275" cy="1828799"/>
@@ -6755,7 +6760,7 @@
         </p:nvSpPr>
         <p:spPr bwMode="black">
           <a:xfrm>
-            <a:off x="218037" y="1347987"/>
+            <a:off x="218037" y="1174130"/>
             <a:ext cx="154021" cy="107721"/>
           </a:xfrm>
           <a:custGeom>
@@ -7136,7 +7141,7 @@
         </p:nvGrpSpPr>
         <p:grpSpPr bwMode="black">
           <a:xfrm>
-            <a:off x="1454028" y="2276712"/>
+            <a:off x="1454028" y="2102855"/>
             <a:ext cx="83499" cy="102667"/>
             <a:chOff x="11769473" y="2939274"/>
             <a:chExt cx="838704" cy="1031508"/>
@@ -7381,7 +7386,7 @@
         </p:nvSpPr>
         <p:spPr bwMode="black">
           <a:xfrm>
-            <a:off x="4144911" y="1313857"/>
+            <a:off x="4144911" y="1140000"/>
             <a:ext cx="109873" cy="152631"/>
           </a:xfrm>
           <a:custGeom>
@@ -7637,7 +7642,7 @@
         </p:blipFill>
         <p:spPr>
           <a:xfrm>
-            <a:off x="2190536" y="1328306"/>
+            <a:off x="2190536" y="1154449"/>
             <a:ext cx="135897" cy="135897"/>
           </a:xfrm>
           <a:prstGeom prst="rect">
@@ -7659,7 +7664,7 @@
         </p:nvGrpSpPr>
         <p:grpSpPr bwMode="black">
           <a:xfrm>
-            <a:off x="1513887" y="3434105"/>
+            <a:off x="1513887" y="3260248"/>
             <a:ext cx="83499" cy="102667"/>
             <a:chOff x="11769473" y="2939274"/>
             <a:chExt cx="838704" cy="1031508"/>
@@ -7904,7 +7909,7 @@
         </p:nvCxnSpPr>
         <p:spPr>
           <a:xfrm>
-            <a:off x="218037" y="1987170"/>
+            <a:off x="218037" y="1813313"/>
             <a:ext cx="3337969" cy="0"/>
           </a:xfrm>
           <a:prstGeom prst="line">
@@ -7947,7 +7952,7 @@
         </p:nvCxnSpPr>
         <p:spPr>
           <a:xfrm>
-            <a:off x="218037" y="7725489"/>
+            <a:off x="218037" y="7551632"/>
             <a:ext cx="3093720" cy="0"/>
           </a:xfrm>
           <a:prstGeom prst="line">
@@ -7990,7 +7995,7 @@
         </p:nvCxnSpPr>
         <p:spPr>
           <a:xfrm>
-            <a:off x="1282710" y="7963058"/>
+            <a:off x="1282710" y="7789201"/>
             <a:ext cx="168483" cy="224209"/>
           </a:xfrm>
           <a:prstGeom prst="line">
@@ -8037,7 +8042,7 @@
         </p:nvCxnSpPr>
         <p:spPr>
           <a:xfrm>
-            <a:off x="782326" y="8733243"/>
+            <a:off x="782326" y="8559386"/>
             <a:ext cx="284310" cy="0"/>
           </a:xfrm>
           <a:prstGeom prst="line">
@@ -8083,7 +8088,7 @@
         </p:nvCxnSpPr>
         <p:spPr>
           <a:xfrm flipV="1">
-            <a:off x="905093" y="9243483"/>
+            <a:off x="905093" y="9069626"/>
             <a:ext cx="280587" cy="226484"/>
           </a:xfrm>
           <a:prstGeom prst="line">
@@ -8129,7 +8134,7 @@
         </p:nvCxnSpPr>
         <p:spPr>
           <a:xfrm flipV="1">
-            <a:off x="1918757" y="9498870"/>
+            <a:off x="1918757" y="9325013"/>
             <a:ext cx="0" cy="244147"/>
           </a:xfrm>
           <a:prstGeom prst="line">
@@ -8175,7 +8180,7 @@
         </p:nvCxnSpPr>
         <p:spPr>
           <a:xfrm flipH="1">
-            <a:off x="2509307" y="8861753"/>
+            <a:off x="2509307" y="8687896"/>
             <a:ext cx="300786" cy="1"/>
           </a:xfrm>
           <a:prstGeom prst="line">
@@ -8221,7 +8226,7 @@
         </p:nvCxnSpPr>
         <p:spPr>
           <a:xfrm flipH="1">
-            <a:off x="2448143" y="8414440"/>
+            <a:off x="2448143" y="8240583"/>
             <a:ext cx="241783" cy="126311"/>
           </a:xfrm>
           <a:prstGeom prst="line">
@@ -8267,7 +8272,7 @@
         </p:nvCxnSpPr>
         <p:spPr>
           <a:xfrm>
-            <a:off x="2155173" y="7884583"/>
+            <a:off x="2155173" y="7710726"/>
             <a:ext cx="0" cy="311441"/>
           </a:xfrm>
           <a:prstGeom prst="line">
@@ -8311,7 +8316,7 @@
         </p:nvCxnSpPr>
         <p:spPr>
           <a:xfrm>
-            <a:off x="2155173" y="7884583"/>
+            <a:off x="2155173" y="7710726"/>
             <a:ext cx="191370" cy="0"/>
           </a:xfrm>
           <a:prstGeom prst="line">
@@ -8354,7 +8359,7 @@
         </p:nvCxnSpPr>
         <p:spPr>
           <a:xfrm>
-            <a:off x="1918757" y="9743017"/>
+            <a:off x="1918757" y="9569160"/>
             <a:ext cx="339727" cy="0"/>
           </a:xfrm>
           <a:prstGeom prst="line">
@@ -8397,7 +8402,7 @@
         </p:nvCxnSpPr>
         <p:spPr>
           <a:xfrm flipH="1">
-            <a:off x="1169227" y="7963058"/>
+            <a:off x="1169227" y="7789201"/>
             <a:ext cx="113483" cy="0"/>
           </a:xfrm>
           <a:prstGeom prst="line">
@@ -8443,7 +8448,7 @@
         </p:nvCxnSpPr>
         <p:spPr>
           <a:xfrm flipH="1">
-            <a:off x="338043" y="2473314"/>
+            <a:off x="338043" y="2299457"/>
             <a:ext cx="460" cy="2600723"/>
           </a:xfrm>
           <a:prstGeom prst="line">
@@ -8486,7 +8491,7 @@
         </p:nvSpPr>
         <p:spPr>
           <a:xfrm>
-            <a:off x="293205" y="3627981"/>
+            <a:off x="293205" y="3454124"/>
             <a:ext cx="89675" cy="89675"/>
           </a:xfrm>
           <a:prstGeom prst="ellipse">
@@ -8542,7 +8547,7 @@
         </p:nvSpPr>
         <p:spPr>
           <a:xfrm>
-            <a:off x="293205" y="4984362"/>
+            <a:off x="293205" y="4810505"/>
             <a:ext cx="89675" cy="89675"/>
           </a:xfrm>
           <a:prstGeom prst="ellipse">
@@ -8598,7 +8603,7 @@
         </p:nvSpPr>
         <p:spPr>
           <a:xfrm>
-            <a:off x="6037555" y="6282566"/>
+            <a:off x="6037555" y="6108709"/>
             <a:ext cx="1021439" cy="253522"/>
           </a:xfrm>
           <a:prstGeom prst="roundRect">
@@ -8669,7 +8674,7 @@
         </p:nvSpPr>
         <p:spPr>
           <a:xfrm>
-            <a:off x="179699" y="2106474"/>
+            <a:off x="179699" y="1932617"/>
             <a:ext cx="318939" cy="318939"/>
           </a:xfrm>
           <a:prstGeom prst="rect">
@@ -8721,7 +8726,7 @@
         </p:nvSpPr>
         <p:spPr>
           <a:xfrm>
-            <a:off x="179699" y="5455005"/>
+            <a:off x="179699" y="5281148"/>
             <a:ext cx="318939" cy="318939"/>
           </a:xfrm>
           <a:prstGeom prst="rect">
@@ -8773,7 +8778,7 @@
         </p:nvGrpSpPr>
         <p:grpSpPr bwMode="black">
           <a:xfrm>
-            <a:off x="1540027" y="4631557"/>
+            <a:off x="1540027" y="4457700"/>
             <a:ext cx="83499" cy="102667"/>
             <a:chOff x="11769473" y="2939274"/>
             <a:chExt cx="838704" cy="1031508"/>
@@ -9016,7 +9021,7 @@
         </p:nvGrpSpPr>
         <p:grpSpPr bwMode="black">
           <a:xfrm>
-            <a:off x="1530340" y="5618885"/>
+            <a:off x="1530340" y="5445028"/>
             <a:ext cx="83499" cy="102667"/>
             <a:chOff x="11769473" y="2939274"/>
             <a:chExt cx="838704" cy="1031508"/>
@@ -9259,7 +9264,7 @@
         </p:nvSpPr>
         <p:spPr>
           <a:xfrm>
-            <a:off x="179699" y="6514299"/>
+            <a:off x="179699" y="6340442"/>
             <a:ext cx="318939" cy="318939"/>
           </a:xfrm>
           <a:prstGeom prst="rect">
@@ -9311,7 +9316,7 @@
         </p:nvGrpSpPr>
         <p:grpSpPr bwMode="black">
           <a:xfrm>
-            <a:off x="1519227" y="6659764"/>
+            <a:off x="1519227" y="6485907"/>
             <a:ext cx="83499" cy="102667"/>
             <a:chOff x="11769473" y="2939274"/>
             <a:chExt cx="838704" cy="1031508"/>
@@ -9554,7 +9559,7 @@
         </p:nvSpPr>
         <p:spPr>
           <a:xfrm>
-            <a:off x="3905031" y="7913874"/>
+            <a:off x="3905031" y="7740017"/>
             <a:ext cx="419835" cy="450658"/>
           </a:xfrm>
           <a:prstGeom prst="rect">
@@ -9621,7 +9626,7 @@
         </p:blipFill>
         <p:spPr bwMode="auto">
           <a:xfrm>
-            <a:off x="3841928" y="8692848"/>
+            <a:off x="3841928" y="8518991"/>
             <a:ext cx="663877" cy="663877"/>
           </a:xfrm>
           <a:prstGeom prst="rect">
@@ -9653,7 +9658,7 @@
         </p:nvSpPr>
         <p:spPr>
           <a:xfrm>
-            <a:off x="4563080" y="8664751"/>
+            <a:off x="4563080" y="8490894"/>
             <a:ext cx="2546235" cy="1123384"/>
           </a:xfrm>
           <a:prstGeom prst="rect">
@@ -9711,7 +9716,7 @@
         </p:nvSpPr>
         <p:spPr>
           <a:xfrm>
-            <a:off x="5459820" y="471821"/>
+            <a:off x="5459820" y="297964"/>
             <a:ext cx="1442849" cy="1442849"/>
           </a:xfrm>
           <a:custGeom>
@@ -9857,7 +9862,7 @@
         </p:nvSpPr>
         <p:spPr>
           <a:xfrm>
-            <a:off x="5512652" y="524653"/>
+            <a:off x="5512652" y="350796"/>
             <a:ext cx="1337186" cy="1337186"/>
           </a:xfrm>
           <a:prstGeom prst="ellipse">
@@ -9892,58 +9897,6 @@
           <a:p>
             <a:pPr algn="ctr"/>
             <a:endParaRPr lang="en-US"/>
-          </a:p>
-        </p:txBody>
-      </p:sp>
-      <p:sp>
-        <p:nvSpPr>
-          <p:cNvPr id="319" name="Rectangle 318">
-            <a:extLst>
-              <a:ext uri="{FF2B5EF4-FFF2-40B4-BE49-F238E27FC236}">
-                <a16:creationId xmlns:a16="http://schemas.microsoft.com/office/drawing/2014/main" id="{62FE24C6-D9BD-4006-8C6C-6A0111D271E1}"/>
-              </a:ext>
-            </a:extLst>
-          </p:cNvPr>
-          <p:cNvSpPr/>
-          <p:nvPr/>
-        </p:nvSpPr>
-        <p:spPr>
-          <a:xfrm>
-            <a:off x="-71563" y="-84339"/>
-            <a:ext cx="7694002" cy="461400"/>
-          </a:xfrm>
-          <a:prstGeom prst="rect">
-            <a:avLst/>
-          </a:prstGeom>
-          <a:solidFill>
-            <a:srgbClr val="FF0000"/>
-          </a:solidFill>
-        </p:spPr>
-        <p:style>
-          <a:lnRef idx="2">
-            <a:schemeClr val="accent1">
-              <a:shade val="50000"/>
-            </a:schemeClr>
-          </a:lnRef>
-          <a:fillRef idx="1">
-            <a:schemeClr val="accent1"/>
-          </a:fillRef>
-          <a:effectRef idx="0">
-            <a:schemeClr val="accent1"/>
-          </a:effectRef>
-          <a:fontRef idx="minor">
-            <a:schemeClr val="lt1"/>
-          </a:fontRef>
-        </p:style>
-        <p:txBody>
-          <a:bodyPr rtlCol="0" anchor="ctr"/>
-          <a:lstStyle/>
-          <a:p>
-            <a:pPr algn="ctr"/>
-            <a:r>
-              <a:rPr lang="en-US" dirty="0"/>
-              <a:t>Do not edit directly, download your own local copy</a:t>
-            </a:r>
           </a:p>
         </p:txBody>
       </p:sp>
@@ -10219,4 +10172,10 @@
     </a:ext>
   </a:extLst>
 </a:theme>
+</file>
+
+<file path=docMetadata/LabelInfo.xml><?xml version="1.0" encoding="utf-8"?>
+<clbl:labelList xmlns:clbl="http://schemas.microsoft.com/office/2020/mipLabelMetadata">
+  <clbl:label id="{f42aa342-8706-4288-bd11-ebb85995028c}" enabled="1" method="Standard" siteId="{72f988bf-86f1-41af-91ab-2d7cd011db47}" contentBits="0" removed="0"/>
+</clbl:labelList>
 </file>